--- a/Identity Hub.pptx
+++ b/Identity Hub.pptx
@@ -3564,7 +3564,11 @@
           <a:p>
             <a:r>
               <a:rPr lang="nb-NO" dirty="0"/>
-              <a:t>Github – cloning source repo</a:t>
+              <a:t>Github – cloning </a:t>
+            </a:r>
+            <a:r>
+              <a:rPr lang="nb-NO"/>
+              <a:t>source repo (fancy footwork)</a:t>
             </a:r>
             <a:endParaRPr lang="en-US" dirty="0"/>
           </a:p>
